--- a/Elektromágneses hullámok.pptx
+++ b/Elektromágneses hullámok.pptx
@@ -7,11 +7,16 @@
   <p:sldIdLst>
     <p:sldId id="256" r:id="rId2"/>
     <p:sldId id="257" r:id="rId3"/>
-    <p:sldId id="259" r:id="rId4"/>
-    <p:sldId id="260" r:id="rId5"/>
-    <p:sldId id="261" r:id="rId6"/>
-    <p:sldId id="262" r:id="rId7"/>
-    <p:sldId id="263" r:id="rId8"/>
+    <p:sldId id="264" r:id="rId4"/>
+    <p:sldId id="259" r:id="rId5"/>
+    <p:sldId id="265" r:id="rId6"/>
+    <p:sldId id="260" r:id="rId7"/>
+    <p:sldId id="266" r:id="rId8"/>
+    <p:sldId id="263" r:id="rId9"/>
+    <p:sldId id="267" r:id="rId10"/>
+    <p:sldId id="262" r:id="rId11"/>
+    <p:sldId id="261" r:id="rId12"/>
+    <p:sldId id="268" r:id="rId13"/>
   </p:sldIdLst>
   <p:sldSz cx="12192000" cy="6858000"/>
   <p:notesSz cx="6858000" cy="9144000"/>
@@ -111,6 +116,30 @@
     </a:lvl9pPr>
   </p:defaultTextStyle>
   <p:extLst>
+    <p:ext uri="{521415D9-36F7-43E2-AB2F-B90AF26B5E84}">
+      <p14:sectionLst xmlns:p14="http://schemas.microsoft.com/office/powerpoint/2010/main">
+        <p14:section name="Default Section" id="{5E15FDFB-360D-4395-957C-14B50FF27E06}">
+          <p14:sldIdLst>
+            <p14:sldId id="256"/>
+            <p14:sldId id="257"/>
+            <p14:sldId id="264"/>
+            <p14:sldId id="259"/>
+            <p14:sldId id="265"/>
+            <p14:sldId id="260"/>
+            <p14:sldId id="266"/>
+            <p14:sldId id="263"/>
+            <p14:sldId id="267"/>
+          </p14:sldIdLst>
+        </p14:section>
+        <p14:section name="elektromágnes alkalmazása" id="{29BA9EFA-3126-4238-953C-35E2709B5FB6}">
+          <p14:sldIdLst>
+            <p14:sldId id="262"/>
+            <p14:sldId id="261"/>
+            <p14:sldId id="268"/>
+          </p14:sldIdLst>
+        </p14:section>
+      </p14:sectionLst>
+    </p:ext>
     <p:ext uri="{EFAFB233-063F-42B5-8137-9DF3F51BA10A}">
       <p15:sldGuideLst xmlns:p15="http://schemas.microsoft.com/office/powerpoint/2012/main"/>
     </p:ext>
@@ -267,7 +296,7 @@
           <a:p>
             <a:fld id="{D4A36500-1D2F-4416-BE01-AF254142CBD5}" type="datetimeFigureOut">
               <a:rPr lang="hu-HU" smtClean="0"/>
-              <a:t>2024. 01. 04.</a:t>
+              <a:t>2024. 01. 07.</a:t>
             </a:fld>
             <a:endParaRPr lang="hu-HU"/>
           </a:p>
@@ -467,7 +496,7 @@
           <a:p>
             <a:fld id="{D4A36500-1D2F-4416-BE01-AF254142CBD5}" type="datetimeFigureOut">
               <a:rPr lang="hu-HU" smtClean="0"/>
-              <a:t>2024. 01. 04.</a:t>
+              <a:t>2024. 01. 07.</a:t>
             </a:fld>
             <a:endParaRPr lang="hu-HU"/>
           </a:p>
@@ -677,7 +706,7 @@
           <a:p>
             <a:fld id="{D4A36500-1D2F-4416-BE01-AF254142CBD5}" type="datetimeFigureOut">
               <a:rPr lang="hu-HU" smtClean="0"/>
-              <a:t>2024. 01. 04.</a:t>
+              <a:t>2024. 01. 07.</a:t>
             </a:fld>
             <a:endParaRPr lang="hu-HU"/>
           </a:p>
@@ -877,7 +906,7 @@
           <a:p>
             <a:fld id="{D4A36500-1D2F-4416-BE01-AF254142CBD5}" type="datetimeFigureOut">
               <a:rPr lang="hu-HU" smtClean="0"/>
-              <a:t>2024. 01. 04.</a:t>
+              <a:t>2024. 01. 07.</a:t>
             </a:fld>
             <a:endParaRPr lang="hu-HU"/>
           </a:p>
@@ -1153,7 +1182,7 @@
           <a:p>
             <a:fld id="{D4A36500-1D2F-4416-BE01-AF254142CBD5}" type="datetimeFigureOut">
               <a:rPr lang="hu-HU" smtClean="0"/>
-              <a:t>2024. 01. 04.</a:t>
+              <a:t>2024. 01. 07.</a:t>
             </a:fld>
             <a:endParaRPr lang="hu-HU"/>
           </a:p>
@@ -1421,7 +1450,7 @@
           <a:p>
             <a:fld id="{D4A36500-1D2F-4416-BE01-AF254142CBD5}" type="datetimeFigureOut">
               <a:rPr lang="hu-HU" smtClean="0"/>
-              <a:t>2024. 01. 04.</a:t>
+              <a:t>2024. 01. 07.</a:t>
             </a:fld>
             <a:endParaRPr lang="hu-HU"/>
           </a:p>
@@ -1836,7 +1865,7 @@
           <a:p>
             <a:fld id="{D4A36500-1D2F-4416-BE01-AF254142CBD5}" type="datetimeFigureOut">
               <a:rPr lang="hu-HU" smtClean="0"/>
-              <a:t>2024. 01. 04.</a:t>
+              <a:t>2024. 01. 07.</a:t>
             </a:fld>
             <a:endParaRPr lang="hu-HU"/>
           </a:p>
@@ -1978,7 +2007,7 @@
           <a:p>
             <a:fld id="{D4A36500-1D2F-4416-BE01-AF254142CBD5}" type="datetimeFigureOut">
               <a:rPr lang="hu-HU" smtClean="0"/>
-              <a:t>2024. 01. 04.</a:t>
+              <a:t>2024. 01. 07.</a:t>
             </a:fld>
             <a:endParaRPr lang="hu-HU"/>
           </a:p>
@@ -2091,7 +2120,7 @@
           <a:p>
             <a:fld id="{D4A36500-1D2F-4416-BE01-AF254142CBD5}" type="datetimeFigureOut">
               <a:rPr lang="hu-HU" smtClean="0"/>
-              <a:t>2024. 01. 04.</a:t>
+              <a:t>2024. 01. 07.</a:t>
             </a:fld>
             <a:endParaRPr lang="hu-HU"/>
           </a:p>
@@ -2404,7 +2433,7 @@
           <a:p>
             <a:fld id="{D4A36500-1D2F-4416-BE01-AF254142CBD5}" type="datetimeFigureOut">
               <a:rPr lang="hu-HU" smtClean="0"/>
-              <a:t>2024. 01. 04.</a:t>
+              <a:t>2024. 01. 07.</a:t>
             </a:fld>
             <a:endParaRPr lang="hu-HU"/>
           </a:p>
@@ -2693,7 +2722,7 @@
           <a:p>
             <a:fld id="{D4A36500-1D2F-4416-BE01-AF254142CBD5}" type="datetimeFigureOut">
               <a:rPr lang="hu-HU" smtClean="0"/>
-              <a:t>2024. 01. 04.</a:t>
+              <a:t>2024. 01. 07.</a:t>
             </a:fld>
             <a:endParaRPr lang="hu-HU"/>
           </a:p>
@@ -2936,7 +2965,7 @@
           <a:p>
             <a:fld id="{D4A36500-1D2F-4416-BE01-AF254142CBD5}" type="datetimeFigureOut">
               <a:rPr lang="hu-HU" smtClean="0"/>
-              <a:t>2024. 01. 04.</a:t>
+              <a:t>2024. 01. 07.</a:t>
             </a:fld>
             <a:endParaRPr lang="hu-HU"/>
           </a:p>
@@ -3341,34 +3370,30 @@
   <p:cSld>
     <p:bg>
       <p:bgPr>
-        <a:gradFill>
+        <a:gradFill flip="none" rotWithShape="1">
           <a:gsLst>
             <a:gs pos="0">
-              <a:schemeClr val="accent1">
-                <a:lumMod val="5000"/>
-                <a:lumOff val="95000"/>
+              <a:schemeClr val="accent4">
+                <a:lumMod val="0"/>
+                <a:lumOff val="100000"/>
               </a:schemeClr>
             </a:gs>
-            <a:gs pos="74000">
-              <a:schemeClr val="accent1">
-                <a:lumMod val="45000"/>
-                <a:lumOff val="55000"/>
-              </a:schemeClr>
-            </a:gs>
-            <a:gs pos="83000">
-              <a:schemeClr val="accent1">
-                <a:lumMod val="45000"/>
-                <a:lumOff val="55000"/>
+            <a:gs pos="35000">
+              <a:schemeClr val="accent4">
+                <a:lumMod val="0"/>
+                <a:lumOff val="100000"/>
               </a:schemeClr>
             </a:gs>
             <a:gs pos="100000">
-              <a:schemeClr val="accent1">
-                <a:lumMod val="30000"/>
-                <a:lumOff val="70000"/>
+              <a:schemeClr val="accent4">
+                <a:lumMod val="100000"/>
               </a:schemeClr>
             </a:gs>
           </a:gsLst>
-          <a:lin ang="5400000" scaled="1"/>
+          <a:path path="circle">
+            <a:fillToRect l="50000" t="-80000" r="50000" b="180000"/>
+          </a:path>
+          <a:tileRect/>
         </a:gradFill>
         <a:effectLst/>
       </p:bgPr>
@@ -3433,6 +3458,449 @@
   <p:clrMapOvr>
     <a:masterClrMapping/>
   </p:clrMapOvr>
+  <mc:AlternateContent xmlns:mc="http://schemas.openxmlformats.org/markup-compatibility/2006">
+    <mc:Choice xmlns:p15="http://schemas.microsoft.com/office/powerpoint/2012/main" Requires="p15">
+      <p:transition xmlns:p14="http://schemas.microsoft.com/office/powerpoint/2010/main" spd="slow" p14:dur="2000">
+        <p15:prstTrans prst="drape"/>
+      </p:transition>
+    </mc:Choice>
+    <mc:Fallback>
+      <p:transition spd="slow">
+        <p:fade/>
+      </p:transition>
+    </mc:Fallback>
+  </mc:AlternateContent>
+</p:sld>
+</file>
+
+<file path=ppt/slides/slide10.xml><?xml version="1.0" encoding="utf-8"?>
+<p:sld xmlns:a="http://schemas.openxmlformats.org/drawingml/2006/main" xmlns:r="http://schemas.openxmlformats.org/officeDocument/2006/relationships" xmlns:p="http://schemas.openxmlformats.org/presentationml/2006/main">
+  <p:cSld>
+    <p:bg>
+      <p:bgPr>
+        <a:gradFill flip="none" rotWithShape="1">
+          <a:gsLst>
+            <a:gs pos="0">
+              <a:schemeClr val="accent4">
+                <a:lumMod val="5000"/>
+                <a:lumOff val="95000"/>
+              </a:schemeClr>
+            </a:gs>
+            <a:gs pos="74000">
+              <a:schemeClr val="accent4">
+                <a:lumMod val="45000"/>
+                <a:lumOff val="55000"/>
+              </a:schemeClr>
+            </a:gs>
+            <a:gs pos="83000">
+              <a:schemeClr val="accent4">
+                <a:lumMod val="45000"/>
+                <a:lumOff val="55000"/>
+              </a:schemeClr>
+            </a:gs>
+            <a:gs pos="100000">
+              <a:schemeClr val="accent4">
+                <a:lumMod val="30000"/>
+                <a:lumOff val="70000"/>
+              </a:schemeClr>
+            </a:gs>
+          </a:gsLst>
+          <a:lin ang="5400000" scaled="1"/>
+          <a:tileRect/>
+        </a:gradFill>
+        <a:effectLst/>
+      </p:bgPr>
+    </p:bg>
+    <p:spTree>
+      <p:nvGrpSpPr>
+        <p:cNvPr id="1" name=""/>
+        <p:cNvGrpSpPr/>
+        <p:nvPr/>
+      </p:nvGrpSpPr>
+      <p:grpSpPr>
+        <a:xfrm>
+          <a:off x="0" y="0"/>
+          <a:ext cx="0" cy="0"/>
+          <a:chOff x="0" y="0"/>
+          <a:chExt cx="0" cy="0"/>
+        </a:xfrm>
+      </p:grpSpPr>
+      <p:sp>
+        <p:nvSpPr>
+          <p:cNvPr id="2" name="Title 1">
+            <a:extLst>
+              <a:ext uri="{FF2B5EF4-FFF2-40B4-BE49-F238E27FC236}">
+                <a16:creationId xmlns:a16="http://schemas.microsoft.com/office/drawing/2014/main" id="{BDF909C7-0A04-471A-5B38-86AF094FC146}"/>
+              </a:ext>
+            </a:extLst>
+          </p:cNvPr>
+          <p:cNvSpPr>
+            <a:spLocks noGrp="1"/>
+          </p:cNvSpPr>
+          <p:nvPr>
+            <p:ph type="title"/>
+          </p:nvPr>
+        </p:nvSpPr>
+        <p:spPr/>
+        <p:txBody>
+          <a:bodyPr/>
+          <a:lstStyle/>
+          <a:p>
+            <a:r>
+              <a:rPr lang="hu-HU" dirty="0">
+                <a:latin typeface="Times New Roman" panose="02020603050405020304" pitchFamily="18" charset="0"/>
+                <a:cs typeface="Times New Roman" panose="02020603050405020304" pitchFamily="18" charset="0"/>
+              </a:rPr>
+              <a:t>Automata biztosíték</a:t>
+            </a:r>
+          </a:p>
+        </p:txBody>
+      </p:sp>
+      <p:sp>
+        <p:nvSpPr>
+          <p:cNvPr id="3" name="Content Placeholder 2">
+            <a:extLst>
+              <a:ext uri="{FF2B5EF4-FFF2-40B4-BE49-F238E27FC236}">
+                <a16:creationId xmlns:a16="http://schemas.microsoft.com/office/drawing/2014/main" id="{D953EC48-2ED7-1CCB-D5AD-8A10CE42C9FE}"/>
+              </a:ext>
+            </a:extLst>
+          </p:cNvPr>
+          <p:cNvSpPr>
+            <a:spLocks noGrp="1"/>
+          </p:cNvSpPr>
+          <p:nvPr>
+            <p:ph idx="1"/>
+          </p:nvPr>
+        </p:nvSpPr>
+        <p:spPr>
+          <a:xfrm>
+            <a:off x="838200" y="1825625"/>
+            <a:ext cx="7699310" cy="4351338"/>
+          </a:xfrm>
+        </p:spPr>
+        <p:txBody>
+          <a:bodyPr/>
+          <a:lstStyle/>
+          <a:p>
+            <a:r>
+              <a:rPr lang="hu-HU" dirty="0">
+                <a:latin typeface="Times New Roman" panose="02020603050405020304" pitchFamily="18" charset="0"/>
+                <a:cs typeface="Times New Roman" panose="02020603050405020304" pitchFamily="18" charset="0"/>
+              </a:rPr>
+              <a:t>Az automatikus biztosítékok fő feladata, hogy megakadályozzák az áramkörben az életveszélyes túlterhelést vagy a rövidzárlatokat. Amikor az áramkörben túl nagy áram vagy rövidzárlat keletkezik, az automatikus biztosíték kikapcsolja az áramot, ezzel megakadályozva a vezetékek és berendezések károsodását, valamint a tűzveszélyt.</a:t>
+            </a:r>
+          </a:p>
+        </p:txBody>
+      </p:sp>
+      <p:pic>
+        <p:nvPicPr>
+          <p:cNvPr id="5" name="Picture 4">
+            <a:extLst>
+              <a:ext uri="{FF2B5EF4-FFF2-40B4-BE49-F238E27FC236}">
+                <a16:creationId xmlns:a16="http://schemas.microsoft.com/office/drawing/2014/main" id="{131A13F7-DD49-972D-F053-EF2A55A60427}"/>
+              </a:ext>
+            </a:extLst>
+          </p:cNvPr>
+          <p:cNvPicPr>
+            <a:picLocks noChangeAspect="1"/>
+          </p:cNvPicPr>
+          <p:nvPr/>
+        </p:nvPicPr>
+        <p:blipFill>
+          <a:blip r:embed="rId2">
+            <a:extLst>
+              <a:ext uri="{28A0092B-C50C-407E-A947-70E740481C1C}">
+                <a14:useLocalDpi xmlns:a14="http://schemas.microsoft.com/office/drawing/2010/main" val="0"/>
+              </a:ext>
+            </a:extLst>
+          </a:blip>
+          <a:stretch>
+            <a:fillRect/>
+          </a:stretch>
+        </p:blipFill>
+        <p:spPr>
+          <a:xfrm>
+            <a:off x="8724122" y="1996751"/>
+            <a:ext cx="2629678" cy="2629678"/>
+          </a:xfrm>
+          <a:prstGeom prst="roundRect">
+            <a:avLst>
+              <a:gd name="adj" fmla="val 8594"/>
+            </a:avLst>
+          </a:prstGeom>
+          <a:solidFill>
+            <a:srgbClr val="FFFFFF">
+              <a:shade val="85000"/>
+            </a:srgbClr>
+          </a:solidFill>
+          <a:ln>
+            <a:noFill/>
+          </a:ln>
+          <a:effectLst>
+            <a:reflection blurRad="12700" stA="38000" endPos="28000" dist="5000" dir="5400000" sy="-100000" algn="bl" rotWithShape="0"/>
+          </a:effectLst>
+        </p:spPr>
+      </p:pic>
+    </p:spTree>
+    <p:extLst>
+      <p:ext uri="{BB962C8B-B14F-4D97-AF65-F5344CB8AC3E}">
+        <p14:creationId xmlns:p14="http://schemas.microsoft.com/office/powerpoint/2010/main" val="458218859"/>
+      </p:ext>
+    </p:extLst>
+  </p:cSld>
+  <p:clrMapOvr>
+    <a:masterClrMapping/>
+  </p:clrMapOvr>
+  <mc:AlternateContent xmlns:mc="http://schemas.openxmlformats.org/markup-compatibility/2006">
+    <mc:Choice xmlns:p14="http://schemas.microsoft.com/office/powerpoint/2010/main" Requires="p14">
+      <p:transition spd="slow">
+        <p14:flash/>
+      </p:transition>
+    </mc:Choice>
+    <mc:Fallback>
+      <p:transition spd="slow">
+        <p:fade/>
+      </p:transition>
+    </mc:Fallback>
+  </mc:AlternateContent>
+</p:sld>
+</file>
+
+<file path=ppt/slides/slide11.xml><?xml version="1.0" encoding="utf-8"?>
+<p:sld xmlns:a="http://schemas.openxmlformats.org/drawingml/2006/main" xmlns:r="http://schemas.openxmlformats.org/officeDocument/2006/relationships" xmlns:p="http://schemas.openxmlformats.org/presentationml/2006/main">
+  <p:cSld>
+    <p:bg>
+      <p:bgPr>
+        <a:gradFill flip="none" rotWithShape="1">
+          <a:gsLst>
+            <a:gs pos="0">
+              <a:schemeClr val="accent1">
+                <a:lumMod val="0"/>
+                <a:lumOff val="100000"/>
+              </a:schemeClr>
+            </a:gs>
+            <a:gs pos="35000">
+              <a:schemeClr val="accent1">
+                <a:lumMod val="0"/>
+                <a:lumOff val="100000"/>
+              </a:schemeClr>
+            </a:gs>
+            <a:gs pos="100000">
+              <a:schemeClr val="accent1">
+                <a:lumMod val="100000"/>
+              </a:schemeClr>
+            </a:gs>
+          </a:gsLst>
+          <a:path path="circle">
+            <a:fillToRect l="50000" t="-80000" r="50000" b="180000"/>
+          </a:path>
+          <a:tileRect/>
+        </a:gradFill>
+        <a:effectLst/>
+      </p:bgPr>
+    </p:bg>
+    <p:spTree>
+      <p:nvGrpSpPr>
+        <p:cNvPr id="1" name=""/>
+        <p:cNvGrpSpPr/>
+        <p:nvPr/>
+      </p:nvGrpSpPr>
+      <p:grpSpPr>
+        <a:xfrm>
+          <a:off x="0" y="0"/>
+          <a:ext cx="0" cy="0"/>
+          <a:chOff x="0" y="0"/>
+          <a:chExt cx="0" cy="0"/>
+        </a:xfrm>
+      </p:grpSpPr>
+      <p:sp>
+        <p:nvSpPr>
+          <p:cNvPr id="2" name="Title 1">
+            <a:extLst>
+              <a:ext uri="{FF2B5EF4-FFF2-40B4-BE49-F238E27FC236}">
+                <a16:creationId xmlns:a16="http://schemas.microsoft.com/office/drawing/2014/main" id="{12EDE899-F03B-7E18-48E4-AF81293EF4C6}"/>
+              </a:ext>
+            </a:extLst>
+          </p:cNvPr>
+          <p:cNvSpPr>
+            <a:spLocks noGrp="1"/>
+          </p:cNvSpPr>
+          <p:nvPr>
+            <p:ph type="title"/>
+          </p:nvPr>
+        </p:nvSpPr>
+        <p:spPr/>
+        <p:txBody>
+          <a:bodyPr/>
+          <a:lstStyle/>
+          <a:p>
+            <a:r>
+              <a:rPr lang="hu-HU" dirty="0">
+                <a:latin typeface="Times New Roman" panose="02020603050405020304" pitchFamily="18" charset="0"/>
+                <a:cs typeface="Times New Roman" panose="02020603050405020304" pitchFamily="18" charset="0"/>
+              </a:rPr>
+              <a:t>Elektormos csengő</a:t>
+            </a:r>
+          </a:p>
+        </p:txBody>
+      </p:sp>
+      <p:sp>
+        <p:nvSpPr>
+          <p:cNvPr id="3" name="Content Placeholder 2">
+            <a:extLst>
+              <a:ext uri="{FF2B5EF4-FFF2-40B4-BE49-F238E27FC236}">
+                <a16:creationId xmlns:a16="http://schemas.microsoft.com/office/drawing/2014/main" id="{1124BFAA-604E-B9AF-96E0-EBFE978C30FE}"/>
+              </a:ext>
+            </a:extLst>
+          </p:cNvPr>
+          <p:cNvSpPr>
+            <a:spLocks noGrp="1"/>
+          </p:cNvSpPr>
+          <p:nvPr>
+            <p:ph idx="1"/>
+          </p:nvPr>
+        </p:nvSpPr>
+        <p:spPr>
+          <a:xfrm>
+            <a:off x="838200" y="1825625"/>
+            <a:ext cx="6542314" cy="4351338"/>
+          </a:xfrm>
+        </p:spPr>
+        <p:txBody>
+          <a:bodyPr/>
+          <a:lstStyle/>
+          <a:p>
+            <a:r>
+              <a:rPr lang="hu-HU" dirty="0">
+                <a:latin typeface="Times New Roman" panose="02020603050405020304" pitchFamily="18" charset="0"/>
+                <a:cs typeface="Times New Roman" panose="02020603050405020304" pitchFamily="18" charset="0"/>
+              </a:rPr>
+              <a:t>Az elektromos csengő egy olyan eszköz, amely elektromágneses jelenségeket használ azért, hogy hangot generáljon, általában a jelzés vagy figyelmeztetés céljából. Az elektromos csengők széles körben elterjedtek mind a háztartásokban, mind a különböző ipari környezetekben. A működési elve az elektromágneses indukció és az elektromágneses erő alkalmazásán alapul.</a:t>
+            </a:r>
+          </a:p>
+        </p:txBody>
+      </p:sp>
+      <p:pic>
+        <p:nvPicPr>
+          <p:cNvPr id="5" name="Picture 4">
+            <a:extLst>
+              <a:ext uri="{FF2B5EF4-FFF2-40B4-BE49-F238E27FC236}">
+                <a16:creationId xmlns:a16="http://schemas.microsoft.com/office/drawing/2014/main" id="{13F24F17-7282-D0F2-FECC-ACBCF6547DE3}"/>
+              </a:ext>
+            </a:extLst>
+          </p:cNvPr>
+          <p:cNvPicPr>
+            <a:picLocks noChangeAspect="1"/>
+          </p:cNvPicPr>
+          <p:nvPr/>
+        </p:nvPicPr>
+        <p:blipFill>
+          <a:blip r:embed="rId2">
+            <a:extLst>
+              <a:ext uri="{28A0092B-C50C-407E-A947-70E740481C1C}">
+                <a14:useLocalDpi xmlns:a14="http://schemas.microsoft.com/office/drawing/2010/main" val="0"/>
+              </a:ext>
+            </a:extLst>
+          </a:blip>
+          <a:stretch>
+            <a:fillRect/>
+          </a:stretch>
+        </p:blipFill>
+        <p:spPr>
+          <a:xfrm>
+            <a:off x="7614333" y="2724539"/>
+            <a:ext cx="4157790" cy="2111662"/>
+          </a:xfrm>
+          <a:prstGeom prst="roundRect">
+            <a:avLst>
+              <a:gd name="adj" fmla="val 10803"/>
+            </a:avLst>
+          </a:prstGeom>
+          <a:solidFill>
+            <a:srgbClr val="FFFFFF">
+              <a:shade val="85000"/>
+            </a:srgbClr>
+          </a:solidFill>
+          <a:ln>
+            <a:noFill/>
+          </a:ln>
+          <a:effectLst>
+            <a:reflection blurRad="12700" stA="38000" endPos="28000" dist="5000" dir="5400000" sy="-100000" algn="bl" rotWithShape="0"/>
+          </a:effectLst>
+        </p:spPr>
+      </p:pic>
+    </p:spTree>
+    <p:extLst>
+      <p:ext uri="{BB962C8B-B14F-4D97-AF65-F5344CB8AC3E}">
+        <p14:creationId xmlns:p14="http://schemas.microsoft.com/office/powerpoint/2010/main" val="3164095446"/>
+      </p:ext>
+    </p:extLst>
+  </p:cSld>
+  <p:clrMapOvr>
+    <a:masterClrMapping/>
+  </p:clrMapOvr>
+  <mc:AlternateContent xmlns:mc="http://schemas.openxmlformats.org/markup-compatibility/2006">
+    <mc:Choice xmlns:p14="http://schemas.microsoft.com/office/powerpoint/2010/main" Requires="p14">
+      <p:transition spd="slow" p14:dur="1250">
+        <p14:flip dir="r"/>
+      </p:transition>
+    </mc:Choice>
+    <mc:Fallback>
+      <p:transition spd="slow">
+        <p:fade/>
+      </p:transition>
+    </mc:Fallback>
+  </mc:AlternateContent>
+</p:sld>
+</file>
+
+<file path=ppt/slides/slide12.xml><?xml version="1.0" encoding="utf-8"?>
+<p:sld xmlns:a="http://schemas.openxmlformats.org/drawingml/2006/main" xmlns:r="http://schemas.openxmlformats.org/officeDocument/2006/relationships" xmlns:p="http://schemas.openxmlformats.org/presentationml/2006/main">
+  <p:cSld>
+    <p:bg>
+      <p:bgPr>
+        <a:solidFill>
+          <a:schemeClr val="tx1"/>
+        </a:solidFill>
+        <a:effectLst/>
+      </p:bgPr>
+    </p:bg>
+    <p:spTree>
+      <p:nvGrpSpPr>
+        <p:cNvPr id="1" name=""/>
+        <p:cNvGrpSpPr/>
+        <p:nvPr/>
+      </p:nvGrpSpPr>
+      <p:grpSpPr>
+        <a:xfrm>
+          <a:off x="0" y="0"/>
+          <a:ext cx="0" cy="0"/>
+          <a:chOff x="0" y="0"/>
+          <a:chExt cx="0" cy="0"/>
+        </a:xfrm>
+      </p:grpSpPr>
+    </p:spTree>
+    <p:extLst>
+      <p:ext uri="{BB962C8B-B14F-4D97-AF65-F5344CB8AC3E}">
+        <p14:creationId xmlns:p14="http://schemas.microsoft.com/office/powerpoint/2010/main" val="1695613707"/>
+      </p:ext>
+    </p:extLst>
+  </p:cSld>
+  <p:clrMapOvr>
+    <a:masterClrMapping/>
+  </p:clrMapOvr>
+  <mc:AlternateContent xmlns:mc="http://schemas.openxmlformats.org/markup-compatibility/2006">
+    <mc:Choice xmlns:p14="http://schemas.microsoft.com/office/powerpoint/2010/main" Requires="p14">
+      <p:transition spd="med" p14:dur="700">
+        <p:fade/>
+      </p:transition>
+    </mc:Choice>
+    <mc:Fallback>
+      <p:transition spd="med">
+        <p:fade/>
+      </p:transition>
+    </mc:Fallback>
+  </mc:AlternateContent>
 </p:sld>
 </file>
 
@@ -3513,7 +3981,7 @@
                 <a:latin typeface="Times New Roman" panose="02020603050405020304" pitchFamily="18" charset="0"/>
                 <a:cs typeface="Times New Roman" panose="02020603050405020304" pitchFamily="18" charset="0"/>
               </a:rPr>
-              <a:t>Rádió és mikro hullámok</a:t>
+              <a:t>Rádióhullámok</a:t>
             </a:r>
           </a:p>
         </p:txBody>
@@ -3551,7 +4019,14 @@
                 <a:latin typeface="Times New Roman" panose="02020603050405020304" pitchFamily="18" charset="0"/>
                 <a:cs typeface="Times New Roman" panose="02020603050405020304" pitchFamily="18" charset="0"/>
               </a:rPr>
-              <a:t>A rádióhullámok az elektromágneses spektrum tartományába tartoznak, amelynek frekvenciája 3 Hz-nél nagyobb és 300 GHz-nél kisebb. A rádióhullámokat általában a kommunikációban használják, például a rádió- és TV-adásokban, valamint a Wi-Fi és GPS technológiákban.</a:t>
+              <a:t>A rádióhullámok az elektromágneses spektrum tartományába tartoznak, amelynek frekvenciája 3 Hz-nél nagyobb és 300 GHz-nél kisebb. </a:t>
+            </a:r>
+            <a:r>
+              <a:rPr lang="hu-HU" u="sng" dirty="0">
+                <a:latin typeface="Times New Roman" panose="02020603050405020304" pitchFamily="18" charset="0"/>
+                <a:cs typeface="Times New Roman" panose="02020603050405020304" pitchFamily="18" charset="0"/>
+              </a:rPr>
+              <a:t>A rádióhullámokat általában a kommunikációban használják, például a rádió- és TV-adásokban, valamint a Wi-Fi és GPS technológiákban.</a:t>
             </a:r>
           </a:p>
         </p:txBody>
@@ -3615,6 +4090,9 @@
   <p:clrMapOvr>
     <a:masterClrMapping/>
   </p:clrMapOvr>
+  <p:transition spd="slow">
+    <p:push dir="u"/>
+  </p:transition>
 </p:sld>
 </file>
 
@@ -3626,21 +4104,168 @@
         <a:gradFill flip="none" rotWithShape="1">
           <a:gsLst>
             <a:gs pos="0">
-              <a:schemeClr val="accent6">
-                <a:lumMod val="67000"/>
-              </a:schemeClr>
-            </a:gs>
-            <a:gs pos="48000">
-              <a:schemeClr val="accent6">
-                <a:lumMod val="97000"/>
-                <a:lumOff val="3000"/>
-              </a:schemeClr>
+              <a:srgbClr val="216D8F"/>
             </a:gs>
             <a:gs pos="100000">
-              <a:schemeClr val="accent6">
-                <a:lumMod val="60000"/>
-                <a:lumOff val="40000"/>
-              </a:schemeClr>
+              <a:srgbClr val="B7DCF7"/>
+            </a:gs>
+          </a:gsLst>
+          <a:path path="circle">
+            <a:fillToRect l="100000" t="100000"/>
+          </a:path>
+          <a:tileRect r="-100000" b="-100000"/>
+        </a:gradFill>
+        <a:effectLst/>
+      </p:bgPr>
+    </p:bg>
+    <p:spTree>
+      <p:nvGrpSpPr>
+        <p:cNvPr id="1" name=""/>
+        <p:cNvGrpSpPr/>
+        <p:nvPr/>
+      </p:nvGrpSpPr>
+      <p:grpSpPr>
+        <a:xfrm>
+          <a:off x="0" y="0"/>
+          <a:ext cx="0" cy="0"/>
+          <a:chOff x="0" y="0"/>
+          <a:chExt cx="0" cy="0"/>
+        </a:xfrm>
+      </p:grpSpPr>
+      <p:pic>
+        <p:nvPicPr>
+          <p:cNvPr id="5" name="Content Placeholder 4">
+            <a:extLst>
+              <a:ext uri="{FF2B5EF4-FFF2-40B4-BE49-F238E27FC236}">
+                <a16:creationId xmlns:a16="http://schemas.microsoft.com/office/drawing/2014/main" id="{E916B9F4-16B0-5126-1FF1-E0F249B2667E}"/>
+              </a:ext>
+            </a:extLst>
+          </p:cNvPr>
+          <p:cNvPicPr>
+            <a:picLocks noGrp="1" noChangeAspect="1"/>
+          </p:cNvPicPr>
+          <p:nvPr>
+            <p:ph idx="1"/>
+          </p:nvPr>
+        </p:nvPicPr>
+        <p:blipFill>
+          <a:blip r:embed="rId2">
+            <a:extLst>
+              <a:ext uri="{28A0092B-C50C-407E-A947-70E740481C1C}">
+                <a14:useLocalDpi xmlns:a14="http://schemas.microsoft.com/office/drawing/2010/main" val="0"/>
+              </a:ext>
+            </a:extLst>
+          </a:blip>
+          <a:stretch>
+            <a:fillRect/>
+          </a:stretch>
+        </p:blipFill>
+        <p:spPr>
+          <a:xfrm>
+            <a:off x="1115037" y="1842404"/>
+            <a:ext cx="4679697" cy="3509773"/>
+          </a:xfrm>
+          <a:prstGeom prst="round2DiagRect">
+            <a:avLst>
+              <a:gd name="adj1" fmla="val 16667"/>
+              <a:gd name="adj2" fmla="val 0"/>
+            </a:avLst>
+          </a:prstGeom>
+          <a:ln w="88900" cap="sq">
+            <a:solidFill>
+              <a:srgbClr val="FFFFFF"/>
+            </a:solidFill>
+            <a:miter lim="800000"/>
+          </a:ln>
+          <a:effectLst>
+            <a:outerShdw blurRad="254000" algn="tl" rotWithShape="0">
+              <a:srgbClr val="000000">
+                <a:alpha val="43000"/>
+              </a:srgbClr>
+            </a:outerShdw>
+          </a:effectLst>
+        </p:spPr>
+      </p:pic>
+      <p:pic>
+        <p:nvPicPr>
+          <p:cNvPr id="9" name="Picture 8">
+            <a:extLst>
+              <a:ext uri="{FF2B5EF4-FFF2-40B4-BE49-F238E27FC236}">
+                <a16:creationId xmlns:a16="http://schemas.microsoft.com/office/drawing/2014/main" id="{2C9C71C9-5E28-98F8-BD0A-2C8F6CFB2E68}"/>
+              </a:ext>
+            </a:extLst>
+          </p:cNvPr>
+          <p:cNvPicPr>
+            <a:picLocks noChangeAspect="1"/>
+          </p:cNvPicPr>
+          <p:nvPr/>
+        </p:nvPicPr>
+        <p:blipFill>
+          <a:blip r:embed="rId3">
+            <a:extLst>
+              <a:ext uri="{28A0092B-C50C-407E-A947-70E740481C1C}">
+                <a14:useLocalDpi xmlns:a14="http://schemas.microsoft.com/office/drawing/2010/main" val="0"/>
+              </a:ext>
+            </a:extLst>
+          </a:blip>
+          <a:stretch>
+            <a:fillRect/>
+          </a:stretch>
+        </p:blipFill>
+        <p:spPr>
+          <a:xfrm>
+            <a:off x="7190725" y="1842404"/>
+            <a:ext cx="3509774" cy="3509774"/>
+          </a:xfrm>
+          <a:prstGeom prst="round2DiagRect">
+            <a:avLst>
+              <a:gd name="adj1" fmla="val 16667"/>
+              <a:gd name="adj2" fmla="val 0"/>
+            </a:avLst>
+          </a:prstGeom>
+          <a:ln w="88900" cap="sq">
+            <a:solidFill>
+              <a:srgbClr val="FFFFFF"/>
+            </a:solidFill>
+            <a:miter lim="800000"/>
+          </a:ln>
+          <a:effectLst>
+            <a:outerShdw blurRad="254000" algn="tl" rotWithShape="0">
+              <a:srgbClr val="000000">
+                <a:alpha val="43000"/>
+              </a:srgbClr>
+            </a:outerShdw>
+          </a:effectLst>
+        </p:spPr>
+      </p:pic>
+    </p:spTree>
+    <p:extLst>
+      <p:ext uri="{BB962C8B-B14F-4D97-AF65-F5344CB8AC3E}">
+        <p14:creationId xmlns:p14="http://schemas.microsoft.com/office/powerpoint/2010/main" val="3264984146"/>
+      </p:ext>
+    </p:extLst>
+  </p:cSld>
+  <p:clrMapOvr>
+    <a:masterClrMapping/>
+  </p:clrMapOvr>
+  <p:transition spd="med">
+    <p:pull/>
+  </p:transition>
+</p:sld>
+</file>
+
+<file path=ppt/slides/slide4.xml><?xml version="1.0" encoding="utf-8"?>
+<p:sld xmlns:a="http://schemas.openxmlformats.org/drawingml/2006/main" xmlns:r="http://schemas.openxmlformats.org/officeDocument/2006/relationships" xmlns:p="http://schemas.openxmlformats.org/presentationml/2006/main">
+  <p:cSld>
+    <p:bg>
+      <p:bgPr>
+        <a:gradFill flip="none" rotWithShape="1">
+          <a:gsLst>
+            <a:gs pos="0">
+              <a:srgbClr val="373E50"/>
+            </a:gs>
+            <a:gs pos="100000">
+              <a:srgbClr val="7CADEE"/>
             </a:gs>
           </a:gsLst>
           <a:lin ang="16200000" scaled="1"/>
@@ -3789,10 +4414,113 @@
   <p:clrMapOvr>
     <a:masterClrMapping/>
   </p:clrMapOvr>
+  <p:transition spd="slow">
+    <p:push dir="u"/>
+  </p:transition>
 </p:sld>
 </file>
 
-<file path=ppt/slides/slide4.xml><?xml version="1.0" encoding="utf-8"?>
+<file path=ppt/slides/slide5.xml><?xml version="1.0" encoding="utf-8"?>
+<p:sld xmlns:a="http://schemas.openxmlformats.org/drawingml/2006/main" xmlns:r="http://schemas.openxmlformats.org/officeDocument/2006/relationships" xmlns:p="http://schemas.openxmlformats.org/presentationml/2006/main">
+  <p:cSld>
+    <p:bg>
+      <p:bgPr>
+        <a:gradFill>
+          <a:gsLst>
+            <a:gs pos="0">
+              <a:srgbClr val="171517"/>
+            </a:gs>
+            <a:gs pos="100000">
+              <a:srgbClr val="ACB7CF"/>
+            </a:gs>
+          </a:gsLst>
+          <a:lin ang="16200000" scaled="1"/>
+        </a:gradFill>
+        <a:effectLst/>
+      </p:bgPr>
+    </p:bg>
+    <p:spTree>
+      <p:nvGrpSpPr>
+        <p:cNvPr id="1" name=""/>
+        <p:cNvGrpSpPr/>
+        <p:nvPr/>
+      </p:nvGrpSpPr>
+      <p:grpSpPr>
+        <a:xfrm>
+          <a:off x="0" y="0"/>
+          <a:ext cx="0" cy="0"/>
+          <a:chOff x="0" y="0"/>
+          <a:chExt cx="0" cy="0"/>
+        </a:xfrm>
+      </p:grpSpPr>
+      <p:pic>
+        <p:nvPicPr>
+          <p:cNvPr id="5" name="Content Placeholder 4">
+            <a:extLst>
+              <a:ext uri="{FF2B5EF4-FFF2-40B4-BE49-F238E27FC236}">
+                <a16:creationId xmlns:a16="http://schemas.microsoft.com/office/drawing/2014/main" id="{6E69E164-9E3C-B028-1850-9604F4C4EEE8}"/>
+              </a:ext>
+            </a:extLst>
+          </p:cNvPr>
+          <p:cNvPicPr>
+            <a:picLocks noGrp="1" noChangeAspect="1"/>
+          </p:cNvPicPr>
+          <p:nvPr>
+            <p:ph idx="1"/>
+          </p:nvPr>
+        </p:nvPicPr>
+        <p:blipFill>
+          <a:blip r:embed="rId2">
+            <a:extLst>
+              <a:ext uri="{28A0092B-C50C-407E-A947-70E740481C1C}">
+                <a14:useLocalDpi xmlns:a14="http://schemas.microsoft.com/office/drawing/2010/main" val="0"/>
+              </a:ext>
+            </a:extLst>
+          </a:blip>
+          <a:stretch>
+            <a:fillRect/>
+          </a:stretch>
+        </p:blipFill>
+        <p:spPr>
+          <a:xfrm>
+            <a:off x="3054220" y="1406216"/>
+            <a:ext cx="6083559" cy="4045567"/>
+          </a:xfrm>
+          <a:prstGeom prst="roundRect">
+            <a:avLst>
+              <a:gd name="adj" fmla="val 8594"/>
+            </a:avLst>
+          </a:prstGeom>
+          <a:solidFill>
+            <a:srgbClr val="FFFFFF">
+              <a:shade val="85000"/>
+            </a:srgbClr>
+          </a:solidFill>
+          <a:ln>
+            <a:noFill/>
+          </a:ln>
+          <a:effectLst>
+            <a:reflection blurRad="12700" stA="38000" endPos="28000" dist="5000" dir="5400000" sy="-100000" algn="bl" rotWithShape="0"/>
+          </a:effectLst>
+        </p:spPr>
+      </p:pic>
+    </p:spTree>
+    <p:extLst>
+      <p:ext uri="{BB962C8B-B14F-4D97-AF65-F5344CB8AC3E}">
+        <p14:creationId xmlns:p14="http://schemas.microsoft.com/office/powerpoint/2010/main" val="1944185597"/>
+      </p:ext>
+    </p:extLst>
+  </p:cSld>
+  <p:clrMapOvr>
+    <a:masterClrMapping/>
+  </p:clrMapOvr>
+  <p:transition spd="med">
+    <p:pull/>
+  </p:transition>
+</p:sld>
+</file>
+
+<file path=ppt/slides/slide6.xml><?xml version="1.0" encoding="utf-8"?>
 <p:sld xmlns:a="http://schemas.openxmlformats.org/drawingml/2006/main" xmlns:r="http://schemas.openxmlformats.org/officeDocument/2006/relationships" xmlns:p="http://schemas.openxmlformats.org/presentationml/2006/main">
   <p:cSld>
     <p:bg>
@@ -3943,21 +4671,22 @@
             <a:off x="2830285" y="3556151"/>
             <a:ext cx="6531429" cy="2936724"/>
           </a:xfrm>
-          <a:prstGeom prst="roundRect">
-            <a:avLst>
-              <a:gd name="adj" fmla="val 8594"/>
-            </a:avLst>
+          <a:prstGeom prst="rect">
+            <a:avLst/>
           </a:prstGeom>
-          <a:solidFill>
-            <a:srgbClr val="FFFFFF">
-              <a:shade val="85000"/>
-            </a:srgbClr>
-          </a:solidFill>
-          <a:ln>
-            <a:noFill/>
+          <a:ln w="38100" cap="sq">
+            <a:solidFill>
+              <a:srgbClr val="000000"/>
+            </a:solidFill>
+            <a:prstDash val="solid"/>
+            <a:miter lim="800000"/>
           </a:ln>
           <a:effectLst>
-            <a:reflection blurRad="12700" stA="38000" endPos="28000" dist="5000" dir="5400000" sy="-100000" algn="bl" rotWithShape="0"/>
+            <a:outerShdw blurRad="50800" dist="38100" dir="2700000" algn="tl" rotWithShape="0">
+              <a:srgbClr val="000000">
+                <a:alpha val="43000"/>
+              </a:srgbClr>
+            </a:outerShdw>
           </a:effectLst>
         </p:spPr>
       </p:pic>
@@ -3971,38 +4700,29 @@
   <p:clrMapOvr>
     <a:masterClrMapping/>
   </p:clrMapOvr>
+  <p:transition spd="slow">
+    <p:push dir="u"/>
+  </p:transition>
 </p:sld>
 </file>
 
-<file path=ppt/slides/slide5.xml><?xml version="1.0" encoding="utf-8"?>
+<file path=ppt/slides/slide7.xml><?xml version="1.0" encoding="utf-8"?>
 <p:sld xmlns:a="http://schemas.openxmlformats.org/drawingml/2006/main" xmlns:r="http://schemas.openxmlformats.org/officeDocument/2006/relationships" xmlns:p="http://schemas.openxmlformats.org/presentationml/2006/main">
   <p:cSld>
     <p:bg>
       <p:bgPr>
-        <a:gradFill flip="none" rotWithShape="1">
+        <a:gradFill>
           <a:gsLst>
             <a:gs pos="0">
-              <a:schemeClr val="accent1">
-                <a:lumMod val="0"/>
-                <a:lumOff val="100000"/>
-              </a:schemeClr>
-            </a:gs>
-            <a:gs pos="35000">
-              <a:schemeClr val="accent1">
-                <a:lumMod val="0"/>
-                <a:lumOff val="100000"/>
-              </a:schemeClr>
+              <a:srgbClr val="E53958"/>
             </a:gs>
             <a:gs pos="100000">
-              <a:schemeClr val="accent1">
-                <a:lumMod val="100000"/>
-              </a:schemeClr>
+              <a:srgbClr val="AF4B9D"/>
             </a:gs>
           </a:gsLst>
           <a:path path="circle">
             <a:fillToRect l="50000" t="-80000" r="50000" b="180000"/>
           </a:path>
-          <a:tileRect/>
         </a:gradFill>
         <a:effectLst/>
       </p:bgPr>
@@ -4021,86 +4741,21 @@
           <a:chExt cx="0" cy="0"/>
         </a:xfrm>
       </p:grpSpPr>
-      <p:sp>
-        <p:nvSpPr>
-          <p:cNvPr id="2" name="Title 1">
-            <a:extLst>
-              <a:ext uri="{FF2B5EF4-FFF2-40B4-BE49-F238E27FC236}">
-                <a16:creationId xmlns:a16="http://schemas.microsoft.com/office/drawing/2014/main" id="{12EDE899-F03B-7E18-48E4-AF81293EF4C6}"/>
-              </a:ext>
-            </a:extLst>
-          </p:cNvPr>
-          <p:cNvSpPr>
-            <a:spLocks noGrp="1"/>
-          </p:cNvSpPr>
-          <p:nvPr>
-            <p:ph type="title"/>
-          </p:nvPr>
-        </p:nvSpPr>
-        <p:spPr/>
-        <p:txBody>
-          <a:bodyPr/>
-          <a:lstStyle/>
-          <a:p>
-            <a:r>
-              <a:rPr lang="hu-HU" dirty="0">
-                <a:latin typeface="Times New Roman" panose="02020603050405020304" pitchFamily="18" charset="0"/>
-                <a:cs typeface="Times New Roman" panose="02020603050405020304" pitchFamily="18" charset="0"/>
-              </a:rPr>
-              <a:t>Elektormos csengő</a:t>
-            </a:r>
-          </a:p>
-        </p:txBody>
-      </p:sp>
-      <p:sp>
-        <p:nvSpPr>
-          <p:cNvPr id="3" name="Content Placeholder 2">
-            <a:extLst>
-              <a:ext uri="{FF2B5EF4-FFF2-40B4-BE49-F238E27FC236}">
-                <a16:creationId xmlns:a16="http://schemas.microsoft.com/office/drawing/2014/main" id="{1124BFAA-604E-B9AF-96E0-EBFE978C30FE}"/>
-              </a:ext>
-            </a:extLst>
-          </p:cNvPr>
-          <p:cNvSpPr>
-            <a:spLocks noGrp="1"/>
-          </p:cNvSpPr>
-          <p:nvPr>
-            <p:ph idx="1"/>
-          </p:nvPr>
-        </p:nvSpPr>
-        <p:spPr>
-          <a:xfrm>
-            <a:off x="838200" y="1825625"/>
-            <a:ext cx="6542314" cy="4351338"/>
-          </a:xfrm>
-        </p:spPr>
-        <p:txBody>
-          <a:bodyPr/>
-          <a:lstStyle/>
-          <a:p>
-            <a:r>
-              <a:rPr lang="hu-HU" dirty="0">
-                <a:latin typeface="Times New Roman" panose="02020603050405020304" pitchFamily="18" charset="0"/>
-                <a:cs typeface="Times New Roman" panose="02020603050405020304" pitchFamily="18" charset="0"/>
-              </a:rPr>
-              <a:t>Az elektromos csengő egy olyan eszköz, amely elektromágneses jelenségeket használ azért, hogy hangot generáljon, általában a jelzés vagy figyelmeztetés céljából. Az elektromos csengők széles körben elterjedtek mind a háztartásokban, mind a különböző ipari környezetekben. A működési elve az elektromágneses indukció és az elektromágneses erő alkalmazásán alapul.</a:t>
-            </a:r>
-          </a:p>
-        </p:txBody>
-      </p:sp>
       <p:pic>
         <p:nvPicPr>
-          <p:cNvPr id="5" name="Picture 4">
-            <a:extLst>
-              <a:ext uri="{FF2B5EF4-FFF2-40B4-BE49-F238E27FC236}">
-                <a16:creationId xmlns:a16="http://schemas.microsoft.com/office/drawing/2014/main" id="{13F24F17-7282-D0F2-FECC-ACBCF6547DE3}"/>
+          <p:cNvPr id="5" name="Content Placeholder 4">
+            <a:extLst>
+              <a:ext uri="{FF2B5EF4-FFF2-40B4-BE49-F238E27FC236}">
+                <a16:creationId xmlns:a16="http://schemas.microsoft.com/office/drawing/2014/main" id="{8F24700D-B4C4-9E70-FB2F-650C834A3836}"/>
               </a:ext>
             </a:extLst>
           </p:cNvPr>
           <p:cNvPicPr>
-            <a:picLocks noChangeAspect="1"/>
+            <a:picLocks noGrp="1" noChangeAspect="1"/>
           </p:cNvPicPr>
-          <p:nvPr/>
+          <p:nvPr>
+            <p:ph idx="1"/>
+          </p:nvPr>
         </p:nvPicPr>
         <p:blipFill>
           <a:blip r:embed="rId2">
@@ -4116,165 +4771,50 @@
         </p:blipFill>
         <p:spPr>
           <a:xfrm>
-            <a:off x="7614333" y="2724539"/>
-            <a:ext cx="4157790" cy="2111662"/>
+            <a:off x="6886275" y="1826600"/>
+            <a:ext cx="3843837" cy="3204800"/>
           </a:xfrm>
-          <a:prstGeom prst="roundRect">
-            <a:avLst>
-              <a:gd name="adj" fmla="val 10803"/>
-            </a:avLst>
+          <a:prstGeom prst="rect">
+            <a:avLst/>
           </a:prstGeom>
           <a:solidFill>
             <a:srgbClr val="FFFFFF">
               <a:shade val="85000"/>
             </a:srgbClr>
           </a:solidFill>
-          <a:ln>
-            <a:noFill/>
+          <a:ln w="88900" cap="sq">
+            <a:solidFill>
+              <a:srgbClr val="FFFFFF"/>
+            </a:solidFill>
+            <a:miter lim="800000"/>
           </a:ln>
           <a:effectLst>
-            <a:reflection blurRad="12700" stA="38000" endPos="28000" dist="5000" dir="5400000" sy="-100000" algn="bl" rotWithShape="0"/>
+            <a:outerShdw blurRad="55000" dist="18000" dir="5400000" algn="tl" rotWithShape="0">
+              <a:srgbClr val="000000">
+                <a:alpha val="40000"/>
+              </a:srgbClr>
+            </a:outerShdw>
           </a:effectLst>
+          <a:scene3d>
+            <a:camera prst="orthographicFront"/>
+            <a:lightRig rig="twoPt" dir="t">
+              <a:rot lat="0" lon="0" rev="7200000"/>
+            </a:lightRig>
+          </a:scene3d>
+          <a:sp3d>
+            <a:bevelT w="25400" h="19050"/>
+            <a:contourClr>
+              <a:srgbClr val="FFFFFF"/>
+            </a:contourClr>
+          </a:sp3d>
         </p:spPr>
       </p:pic>
-    </p:spTree>
-    <p:extLst>
-      <p:ext uri="{BB962C8B-B14F-4D97-AF65-F5344CB8AC3E}">
-        <p14:creationId xmlns:p14="http://schemas.microsoft.com/office/powerpoint/2010/main" val="3164095446"/>
-      </p:ext>
-    </p:extLst>
-  </p:cSld>
-  <p:clrMapOvr>
-    <a:masterClrMapping/>
-  </p:clrMapOvr>
-</p:sld>
-</file>
-
-<file path=ppt/slides/slide6.xml><?xml version="1.0" encoding="utf-8"?>
-<p:sld xmlns:a="http://schemas.openxmlformats.org/drawingml/2006/main" xmlns:r="http://schemas.openxmlformats.org/officeDocument/2006/relationships" xmlns:p="http://schemas.openxmlformats.org/presentationml/2006/main">
-  <p:cSld>
-    <p:bg>
-      <p:bgPr>
-        <a:gradFill flip="none" rotWithShape="1">
-          <a:gsLst>
-            <a:gs pos="0">
-              <a:schemeClr val="accent4">
-                <a:lumMod val="5000"/>
-                <a:lumOff val="95000"/>
-              </a:schemeClr>
-            </a:gs>
-            <a:gs pos="74000">
-              <a:schemeClr val="accent4">
-                <a:lumMod val="45000"/>
-                <a:lumOff val="55000"/>
-              </a:schemeClr>
-            </a:gs>
-            <a:gs pos="83000">
-              <a:schemeClr val="accent4">
-                <a:lumMod val="45000"/>
-                <a:lumOff val="55000"/>
-              </a:schemeClr>
-            </a:gs>
-            <a:gs pos="100000">
-              <a:schemeClr val="accent4">
-                <a:lumMod val="30000"/>
-                <a:lumOff val="70000"/>
-              </a:schemeClr>
-            </a:gs>
-          </a:gsLst>
-          <a:lin ang="5400000" scaled="1"/>
-          <a:tileRect/>
-        </a:gradFill>
-        <a:effectLst/>
-      </p:bgPr>
-    </p:bg>
-    <p:spTree>
-      <p:nvGrpSpPr>
-        <p:cNvPr id="1" name=""/>
-        <p:cNvGrpSpPr/>
-        <p:nvPr/>
-      </p:nvGrpSpPr>
-      <p:grpSpPr>
-        <a:xfrm>
-          <a:off x="0" y="0"/>
-          <a:ext cx="0" cy="0"/>
-          <a:chOff x="0" y="0"/>
-          <a:chExt cx="0" cy="0"/>
-        </a:xfrm>
-      </p:grpSpPr>
-      <p:sp>
-        <p:nvSpPr>
-          <p:cNvPr id="2" name="Title 1">
-            <a:extLst>
-              <a:ext uri="{FF2B5EF4-FFF2-40B4-BE49-F238E27FC236}">
-                <a16:creationId xmlns:a16="http://schemas.microsoft.com/office/drawing/2014/main" id="{BDF909C7-0A04-471A-5B38-86AF094FC146}"/>
-              </a:ext>
-            </a:extLst>
-          </p:cNvPr>
-          <p:cNvSpPr>
-            <a:spLocks noGrp="1"/>
-          </p:cNvSpPr>
-          <p:nvPr>
-            <p:ph type="title"/>
-          </p:nvPr>
-        </p:nvSpPr>
-        <p:spPr/>
-        <p:txBody>
-          <a:bodyPr/>
-          <a:lstStyle/>
-          <a:p>
-            <a:r>
-              <a:rPr lang="hu-HU" dirty="0">
-                <a:latin typeface="Times New Roman" panose="02020603050405020304" pitchFamily="18" charset="0"/>
-                <a:cs typeface="Times New Roman" panose="02020603050405020304" pitchFamily="18" charset="0"/>
-              </a:rPr>
-              <a:t>Automata biztosíték</a:t>
-            </a:r>
-          </a:p>
-        </p:txBody>
-      </p:sp>
-      <p:sp>
-        <p:nvSpPr>
-          <p:cNvPr id="3" name="Content Placeholder 2">
-            <a:extLst>
-              <a:ext uri="{FF2B5EF4-FFF2-40B4-BE49-F238E27FC236}">
-                <a16:creationId xmlns:a16="http://schemas.microsoft.com/office/drawing/2014/main" id="{D953EC48-2ED7-1CCB-D5AD-8A10CE42C9FE}"/>
-              </a:ext>
-            </a:extLst>
-          </p:cNvPr>
-          <p:cNvSpPr>
-            <a:spLocks noGrp="1"/>
-          </p:cNvSpPr>
-          <p:nvPr>
-            <p:ph idx="1"/>
-          </p:nvPr>
-        </p:nvSpPr>
-        <p:spPr>
-          <a:xfrm>
-            <a:off x="838200" y="1825625"/>
-            <a:ext cx="7699310" cy="4351338"/>
-          </a:xfrm>
-        </p:spPr>
-        <p:txBody>
-          <a:bodyPr/>
-          <a:lstStyle/>
-          <a:p>
-            <a:r>
-              <a:rPr lang="hu-HU" dirty="0">
-                <a:latin typeface="Times New Roman" panose="02020603050405020304" pitchFamily="18" charset="0"/>
-                <a:cs typeface="Times New Roman" panose="02020603050405020304" pitchFamily="18" charset="0"/>
-              </a:rPr>
-              <a:t>Az automatikus biztosítékok fő feladata, hogy megakadályozzák az áramkörben az életveszélyes túlterhelést vagy a rövidzárlatokat. Amikor az áramkörben túl nagy áram vagy rövidzárlat keletkezik, az automatikus biztosíték kikapcsolja az áramot, ezzel megakadályozva a vezetékek és berendezések károsodását, valamint a tűzveszélyt.</a:t>
-            </a:r>
-          </a:p>
-        </p:txBody>
-      </p:sp>
       <p:pic>
         <p:nvPicPr>
-          <p:cNvPr id="5" name="Picture 4">
-            <a:extLst>
-              <a:ext uri="{FF2B5EF4-FFF2-40B4-BE49-F238E27FC236}">
-                <a16:creationId xmlns:a16="http://schemas.microsoft.com/office/drawing/2014/main" id="{131A13F7-DD49-972D-F053-EF2A55A60427}"/>
+          <p:cNvPr id="7" name="Picture 6">
+            <a:extLst>
+              <a:ext uri="{FF2B5EF4-FFF2-40B4-BE49-F238E27FC236}">
+                <a16:creationId xmlns:a16="http://schemas.microsoft.com/office/drawing/2014/main" id="{1C28243C-E2DE-A84A-3D71-8CD829522F8C}"/>
               </a:ext>
             </a:extLst>
           </p:cNvPr>
@@ -4284,7 +4824,7 @@
           <p:nvPr/>
         </p:nvPicPr>
         <p:blipFill>
-          <a:blip r:embed="rId2">
+          <a:blip r:embed="rId3">
             <a:extLst>
               <a:ext uri="{28A0092B-C50C-407E-A947-70E740481C1C}">
                 <a14:useLocalDpi xmlns:a14="http://schemas.microsoft.com/office/drawing/2010/main" val="0"/>
@@ -4297,41 +4837,61 @@
         </p:blipFill>
         <p:spPr>
           <a:xfrm>
-            <a:off x="8724122" y="1996751"/>
-            <a:ext cx="2629678" cy="2629678"/>
+            <a:off x="1292008" y="1826600"/>
+            <a:ext cx="4013719" cy="3204800"/>
           </a:xfrm>
-          <a:prstGeom prst="roundRect">
-            <a:avLst>
-              <a:gd name="adj" fmla="val 8594"/>
-            </a:avLst>
+          <a:prstGeom prst="rect">
+            <a:avLst/>
           </a:prstGeom>
           <a:solidFill>
             <a:srgbClr val="FFFFFF">
               <a:shade val="85000"/>
             </a:srgbClr>
           </a:solidFill>
-          <a:ln>
-            <a:noFill/>
+          <a:ln w="88900" cap="sq">
+            <a:solidFill>
+              <a:srgbClr val="FFFFFF"/>
+            </a:solidFill>
+            <a:miter lim="800000"/>
           </a:ln>
           <a:effectLst>
-            <a:reflection blurRad="12700" stA="38000" endPos="28000" dist="5000" dir="5400000" sy="-100000" algn="bl" rotWithShape="0"/>
+            <a:outerShdw blurRad="55000" dist="18000" dir="5400000" algn="tl" rotWithShape="0">
+              <a:srgbClr val="000000">
+                <a:alpha val="40000"/>
+              </a:srgbClr>
+            </a:outerShdw>
           </a:effectLst>
+          <a:scene3d>
+            <a:camera prst="orthographicFront"/>
+            <a:lightRig rig="twoPt" dir="t">
+              <a:rot lat="0" lon="0" rev="7200000"/>
+            </a:lightRig>
+          </a:scene3d>
+          <a:sp3d>
+            <a:bevelT w="25400" h="19050"/>
+            <a:contourClr>
+              <a:srgbClr val="FFFFFF"/>
+            </a:contourClr>
+          </a:sp3d>
         </p:spPr>
       </p:pic>
     </p:spTree>
     <p:extLst>
       <p:ext uri="{BB962C8B-B14F-4D97-AF65-F5344CB8AC3E}">
-        <p14:creationId xmlns:p14="http://schemas.microsoft.com/office/powerpoint/2010/main" val="458218859"/>
+        <p14:creationId xmlns:p14="http://schemas.microsoft.com/office/powerpoint/2010/main" val="3405704705"/>
       </p:ext>
     </p:extLst>
   </p:cSld>
   <p:clrMapOvr>
     <a:masterClrMapping/>
   </p:clrMapOvr>
+  <p:transition spd="med">
+    <p:pull/>
+  </p:transition>
 </p:sld>
 </file>
 
-<file path=ppt/slides/slide7.xml><?xml version="1.0" encoding="utf-8"?>
+<file path=ppt/slides/slide8.xml><?xml version="1.0" encoding="utf-8"?>
 <p:sld xmlns:a="http://schemas.openxmlformats.org/drawingml/2006/main" xmlns:r="http://schemas.openxmlformats.org/officeDocument/2006/relationships" xmlns:p="http://schemas.openxmlformats.org/presentationml/2006/main">
   <p:cSld>
     <p:bg>
@@ -4461,6 +5021,21 @@
               <a:cs typeface="Times New Roman" panose="02020603050405020304" pitchFamily="18" charset="0"/>
             </a:endParaRPr>
           </a:p>
+          <a:p>
+            <a:r>
+              <a:rPr lang="hu-HU" dirty="0">
+                <a:latin typeface="Times New Roman" panose="02020603050405020304" pitchFamily="18" charset="0"/>
+                <a:cs typeface="Times New Roman" panose="02020603050405020304" pitchFamily="18" charset="0"/>
+              </a:rPr>
+              <a:t>E diasor célja az elektromágneses hullámok bemutatása alapszinten társítva hozzájuk a mindennapi élet példáit.</a:t>
+            </a:r>
+          </a:p>
+          <a:p>
+            <a:endParaRPr lang="hu-HU" dirty="0">
+              <a:latin typeface="Times New Roman" panose="02020603050405020304" pitchFamily="18" charset="0"/>
+              <a:cs typeface="Times New Roman" panose="02020603050405020304" pitchFamily="18" charset="0"/>
+            </a:endParaRPr>
+          </a:p>
         </p:txBody>
       </p:sp>
       <p:pic>
@@ -4491,7 +5066,7 @@
         </p:blipFill>
         <p:spPr>
           <a:xfrm>
-            <a:off x="10657101" y="-83478"/>
+            <a:off x="5395457" y="4534636"/>
             <a:ext cx="1393395" cy="1393395"/>
           </a:xfrm>
           <a:prstGeom prst="rect">
@@ -4527,7 +5102,7 @@
         </p:blipFill>
         <p:spPr>
           <a:xfrm>
-            <a:off x="10657101" y="893979"/>
+            <a:off x="5395457" y="5523284"/>
             <a:ext cx="226259" cy="208535"/>
           </a:xfrm>
           <a:prstGeom prst="rect">
@@ -4537,53 +5112,36 @@
       </p:pic>
       <p:sp>
         <p:nvSpPr>
-          <p:cNvPr id="9" name="Rectangle: Rounded Corners 8">
-            <a:extLst>
-              <a:ext uri="{FF2B5EF4-FFF2-40B4-BE49-F238E27FC236}">
-                <a16:creationId xmlns:a16="http://schemas.microsoft.com/office/drawing/2014/main" id="{0B028CD6-4A8B-99EA-636A-F3C842E622FC}"/>
-              </a:ext>
-            </a:extLst>
-          </p:cNvPr>
-          <p:cNvSpPr/>
+          <p:cNvPr id="4" name="TextBox 3">
+            <a:extLst>
+              <a:ext uri="{FF2B5EF4-FFF2-40B4-BE49-F238E27FC236}">
+                <a16:creationId xmlns:a16="http://schemas.microsoft.com/office/drawing/2014/main" id="{7863FA2B-D7CE-5652-A394-C23656F0DD93}"/>
+              </a:ext>
+            </a:extLst>
+          </p:cNvPr>
+          <p:cNvSpPr txBox="1"/>
           <p:nvPr/>
         </p:nvSpPr>
         <p:spPr>
           <a:xfrm>
-            <a:off x="10548938" y="48635"/>
-            <a:ext cx="1567774" cy="1146753"/>
+            <a:off x="-266701" y="6588919"/>
+            <a:ext cx="301686" cy="369332"/>
           </a:xfrm>
-          <a:prstGeom prst="roundRect">
+          <a:prstGeom prst="rect">
             <a:avLst/>
           </a:prstGeom>
           <a:noFill/>
-          <a:ln w="57150">
-            <a:solidFill>
-              <a:srgbClr val="7030A0"/>
-            </a:solidFill>
-          </a:ln>
         </p:spPr>
-        <p:style>
-          <a:lnRef idx="2">
-            <a:schemeClr val="accent1">
-              <a:shade val="50000"/>
-            </a:schemeClr>
-          </a:lnRef>
-          <a:fillRef idx="1">
-            <a:schemeClr val="accent1"/>
-          </a:fillRef>
-          <a:effectRef idx="0">
-            <a:schemeClr val="accent1"/>
-          </a:effectRef>
-          <a:fontRef idx="minor">
-            <a:schemeClr val="lt1"/>
-          </a:fontRef>
-        </p:style>
-        <p:txBody>
-          <a:bodyPr rtlCol="0" anchor="ctr"/>
-          <a:lstStyle/>
-          <a:p>
-            <a:pPr algn="ctr"/>
-            <a:endParaRPr lang="hu-HU"/>
+        <p:txBody>
+          <a:bodyPr wrap="none" rtlCol="0">
+            <a:spAutoFit/>
+          </a:bodyPr>
+          <a:lstStyle/>
+          <a:p>
+            <a:r>
+              <a:rPr lang="hu-HU" dirty="0"/>
+              <a:t>2</a:t>
+            </a:r>
           </a:p>
         </p:txBody>
       </p:sp>
@@ -4597,6 +5155,68 @@
   <p:clrMapOvr>
     <a:masterClrMapping/>
   </p:clrMapOvr>
+  <mc:AlternateContent xmlns:mc="http://schemas.openxmlformats.org/markup-compatibility/2006">
+    <mc:Choice xmlns:p15="http://schemas.microsoft.com/office/powerpoint/2012/main" Requires="p15">
+      <p:transition xmlns:p14="http://schemas.microsoft.com/office/powerpoint/2010/main" spd="slow" p14:dur="1250">
+        <p15:prstTrans prst="peelOff"/>
+      </p:transition>
+    </mc:Choice>
+    <mc:Fallback>
+      <p:transition spd="slow">
+        <p:fade/>
+      </p:transition>
+    </mc:Fallback>
+  </mc:AlternateContent>
+</p:sld>
+</file>
+
+<file path=ppt/slides/slide9.xml><?xml version="1.0" encoding="utf-8"?>
+<p:sld xmlns:a="http://schemas.openxmlformats.org/drawingml/2006/main" xmlns:r="http://schemas.openxmlformats.org/officeDocument/2006/relationships" xmlns:p="http://schemas.openxmlformats.org/presentationml/2006/main">
+  <p:cSld>
+    <p:bg>
+      <p:bgPr>
+        <a:solidFill>
+          <a:schemeClr val="tx1"/>
+        </a:solidFill>
+        <a:effectLst/>
+      </p:bgPr>
+    </p:bg>
+    <p:spTree>
+      <p:nvGrpSpPr>
+        <p:cNvPr id="1" name=""/>
+        <p:cNvGrpSpPr/>
+        <p:nvPr/>
+      </p:nvGrpSpPr>
+      <p:grpSpPr>
+        <a:xfrm>
+          <a:off x="0" y="0"/>
+          <a:ext cx="0" cy="0"/>
+          <a:chOff x="0" y="0"/>
+          <a:chExt cx="0" cy="0"/>
+        </a:xfrm>
+      </p:grpSpPr>
+    </p:spTree>
+    <p:extLst>
+      <p:ext uri="{BB962C8B-B14F-4D97-AF65-F5344CB8AC3E}">
+        <p14:creationId xmlns:p14="http://schemas.microsoft.com/office/powerpoint/2010/main" val="2525789154"/>
+      </p:ext>
+    </p:extLst>
+  </p:cSld>
+  <p:clrMapOvr>
+    <a:masterClrMapping/>
+  </p:clrMapOvr>
+  <mc:AlternateContent xmlns:mc="http://schemas.openxmlformats.org/markup-compatibility/2006">
+    <mc:Choice xmlns:p14="http://schemas.microsoft.com/office/powerpoint/2010/main" Requires="p14">
+      <p:transition spd="slow" p14:dur="3400">
+        <p14:reveal/>
+      </p:transition>
+    </mc:Choice>
+    <mc:Fallback>
+      <p:transition spd="slow">
+        <p:fade/>
+      </p:transition>
+    </mc:Fallback>
+  </mc:AlternateContent>
 </p:sld>
 </file>
 
